--- a/16sanalysis_workshop/16sworkshop/fishbone_diagram.pptx
+++ b/16sanalysis_workshop/16sworkshop/fishbone_diagram.pptx
@@ -4442,7 +4442,7 @@
           <a:lstStyle/>
           <a:p>
             <a:r>
-              <a:rPr lang="en-US" altLang="en-US" sz="1400" b="1" dirty="0">
+              <a:rPr lang="en-US" altLang="en-US" sz="1000" b="1" dirty="0">
                 <a:solidFill>
                   <a:srgbClr val="003399"/>
                 </a:solidFill>
@@ -4453,7 +4453,7 @@
           </a:p>
           <a:p>
             <a:r>
-              <a:rPr lang="en-US" altLang="en-US" sz="1400" b="1" dirty="0">
+              <a:rPr lang="en-US" altLang="en-US" sz="1000" b="1" dirty="0">
                 <a:solidFill>
                   <a:srgbClr val="003399"/>
                 </a:solidFill>
@@ -4481,7 +4481,7 @@
         <p:spPr bwMode="auto">
           <a:xfrm>
             <a:off x="2450624" y="6111479"/>
-            <a:ext cx="2019300" cy="523220"/>
+            <a:ext cx="2019300" cy="400110"/>
           </a:xfrm>
           <a:prstGeom prst="rect">
             <a:avLst/>
@@ -4527,7 +4527,7 @@
           <a:lstStyle/>
           <a:p>
             <a:r>
-              <a:rPr lang="en-US" altLang="en-US" sz="1400" b="1" dirty="0">
+              <a:rPr lang="en-US" altLang="en-US" sz="1000" b="1" dirty="0">
                 <a:solidFill>
                   <a:srgbClr val="003399"/>
                 </a:solidFill>
@@ -4607,7 +4607,7 @@
                 </a:solidFill>
                 <a:latin typeface="Verdana" panose="020B0604030504040204" pitchFamily="34" charset="0"/>
               </a:rPr>
-              <a:t>Plumbing issues</a:t>
+              <a:t>Plumbing/technical issues</a:t>
             </a:r>
           </a:p>
         </p:txBody>
@@ -4818,7 +4818,7 @@
           <a:bodyPr/>
           <a:lstStyle/>
           <a:p>
-            <a:endParaRPr lang="en-US"/>
+            <a:endParaRPr lang="en-US" sz="1000"/>
           </a:p>
         </p:txBody>
       </p:sp>
@@ -4838,8 +4838,8 @@
         </p:nvSpPr>
         <p:spPr bwMode="auto">
           <a:xfrm>
-            <a:off x="3933822" y="2711916"/>
-            <a:ext cx="1706564" cy="461665"/>
+            <a:off x="3933822" y="2742693"/>
+            <a:ext cx="1706564" cy="400110"/>
           </a:xfrm>
           <a:prstGeom prst="rect">
             <a:avLst/>
@@ -4885,7 +4885,7 @@
           <a:lstStyle/>
           <a:p>
             <a:r>
-              <a:rPr lang="en-US" altLang="en-US" dirty="0">
+              <a:rPr lang="en-US" altLang="en-US" sz="1000" dirty="0">
                 <a:latin typeface="Verdana" panose="020B0604030504040204" pitchFamily="34" charset="0"/>
               </a:rPr>
               <a:t>Increase in equipment pricing</a:t>
@@ -4946,7 +4946,7 @@
           <a:bodyPr/>
           <a:lstStyle/>
           <a:p>
-            <a:endParaRPr lang="en-US"/>
+            <a:endParaRPr lang="en-US" sz="1000"/>
           </a:p>
         </p:txBody>
       </p:sp>
@@ -4966,8 +4966,8 @@
         </p:nvSpPr>
         <p:spPr bwMode="auto">
           <a:xfrm>
-            <a:off x="3665858" y="2180580"/>
-            <a:ext cx="1510344" cy="461665"/>
+            <a:off x="3665858" y="2211357"/>
+            <a:ext cx="1510344" cy="400110"/>
           </a:xfrm>
           <a:prstGeom prst="rect">
             <a:avLst/>
@@ -5013,7 +5013,7 @@
           <a:lstStyle/>
           <a:p>
             <a:r>
-              <a:rPr lang="en-US" altLang="en-US" dirty="0">
+              <a:rPr lang="en-US" altLang="en-US" sz="1000" dirty="0">
                 <a:latin typeface="Verdana" panose="020B0604030504040204" pitchFamily="34" charset="0"/>
               </a:rPr>
               <a:t>Increase in Furniture price </a:t>
@@ -5074,86 +5074,7 @@
           <a:bodyPr/>
           <a:lstStyle/>
           <a:p>
-            <a:endParaRPr lang="en-US"/>
-          </a:p>
-        </p:txBody>
-      </p:sp>
-      <p:sp>
-        <p:nvSpPr>
-          <p:cNvPr id="2080" name="Rectangle 32">
-            <a:extLst>
-              <a:ext uri="{FF2B5EF4-FFF2-40B4-BE49-F238E27FC236}">
-                <a16:creationId xmlns:a16="http://schemas.microsoft.com/office/drawing/2014/main" id="{5271AFB7-57B0-BD44-A0EB-67742965AC9B}"/>
-              </a:ext>
-            </a:extLst>
-          </p:cNvPr>
-          <p:cNvSpPr>
-            <a:spLocks noChangeArrowheads="1"/>
-          </p:cNvSpPr>
-          <p:nvPr/>
-        </p:nvSpPr>
-        <p:spPr bwMode="auto">
-          <a:xfrm>
-            <a:off x="1295400" y="2946400"/>
-            <a:ext cx="1206500" cy="457200"/>
-          </a:xfrm>
-          <a:prstGeom prst="rect">
-            <a:avLst/>
-          </a:prstGeom>
-          <a:noFill/>
-          <a:ln>
-            <a:noFill/>
-          </a:ln>
-          <a:effectLst/>
-          <a:extLst>
-            <a:ext uri="{909E8E84-426E-40DD-AFC4-6F175D3DCCD1}">
-              <a14:hiddenFill xmlns:a14="http://schemas.microsoft.com/office/drawing/2010/main">
-                <a:solidFill>
-                  <a:schemeClr val="accent1"/>
-                </a:solidFill>
-              </a14:hiddenFill>
-            </a:ext>
-            <a:ext uri="{91240B29-F687-4F45-9708-019B960494DF}">
-              <a14:hiddenLine xmlns:a14="http://schemas.microsoft.com/office/drawing/2010/main" w="9525" algn="ctr">
-                <a:solidFill>
-                  <a:schemeClr val="tx1"/>
-                </a:solidFill>
-                <a:miter lim="800000"/>
-                <a:headEnd/>
-                <a:tailEnd/>
-              </a14:hiddenLine>
-            </a:ext>
-            <a:ext uri="{AF507438-7753-43E0-B8FC-AC1667EBCBE1}">
-              <a14:hiddenEffects xmlns:a14="http://schemas.microsoft.com/office/drawing/2010/main">
-                <a:effectLst>
-                  <a:outerShdw dist="35921" dir="2700000" algn="ctr" rotWithShape="0">
-                    <a:schemeClr val="bg2"/>
-                  </a:outerShdw>
-                </a:effectLst>
-              </a14:hiddenEffects>
-            </a:ext>
-          </a:extLst>
-        </p:spPr>
-        <p:txBody>
-          <a:bodyPr anchor="ctr" anchorCtr="1">
-            <a:spAutoFit/>
-          </a:bodyPr>
-          <a:lstStyle/>
-          <a:p>
-            <a:r>
-              <a:rPr lang="en-US" altLang="en-US" dirty="0">
-                <a:latin typeface="Verdana" panose="020B0604030504040204" pitchFamily="34" charset="0"/>
-              </a:rPr>
-              <a:t>Incompetent</a:t>
-            </a:r>
-          </a:p>
-          <a:p>
-            <a:r>
-              <a:rPr lang="en-US" altLang="en-US" dirty="0">
-                <a:latin typeface="Verdana" panose="020B0604030504040204" pitchFamily="34" charset="0"/>
-              </a:rPr>
-              <a:t>Employees</a:t>
-            </a:r>
+            <a:endParaRPr lang="en-US" sz="1000"/>
           </a:p>
         </p:txBody>
       </p:sp>
@@ -5210,7 +5131,7 @@
           <a:bodyPr/>
           <a:lstStyle/>
           <a:p>
-            <a:endParaRPr lang="en-US"/>
+            <a:endParaRPr lang="en-US" sz="1000"/>
           </a:p>
         </p:txBody>
       </p:sp>
@@ -5230,8 +5151,8 @@
         </p:nvSpPr>
         <p:spPr bwMode="auto">
           <a:xfrm>
-            <a:off x="1066800" y="2432199"/>
-            <a:ext cx="1168400" cy="461665"/>
+            <a:off x="710884" y="2539921"/>
+            <a:ext cx="1524316" cy="246221"/>
           </a:xfrm>
           <a:prstGeom prst="rect">
             <a:avLst/>
@@ -5271,13 +5192,13 @@
           </a:extLst>
         </p:spPr>
         <p:txBody>
-          <a:bodyPr anchor="ctr" anchorCtr="1">
+          <a:bodyPr wrap="square" anchor="ctr" anchorCtr="1">
             <a:spAutoFit/>
           </a:bodyPr>
           <a:lstStyle/>
           <a:p>
             <a:r>
-              <a:rPr lang="en-US" altLang="en-US" dirty="0">
+              <a:rPr lang="en-US" altLang="en-US" sz="1000" dirty="0">
                 <a:latin typeface="Verdana" panose="020B0604030504040204" pitchFamily="34" charset="0"/>
               </a:rPr>
               <a:t>Pressure Issues</a:t>
@@ -5338,7 +5259,7 @@
           <a:bodyPr/>
           <a:lstStyle/>
           <a:p>
-            <a:endParaRPr lang="en-US"/>
+            <a:endParaRPr lang="en-US" sz="1000"/>
           </a:p>
         </p:txBody>
       </p:sp>
@@ -5358,8 +5279,8 @@
         </p:nvSpPr>
         <p:spPr bwMode="auto">
           <a:xfrm>
-            <a:off x="774700" y="1945630"/>
-            <a:ext cx="1171575" cy="461665"/>
+            <a:off x="152162" y="2032640"/>
+            <a:ext cx="1829276" cy="246221"/>
           </a:xfrm>
           <a:prstGeom prst="rect">
             <a:avLst/>
@@ -5405,7 +5326,7 @@
           <a:lstStyle/>
           <a:p>
             <a:r>
-              <a:rPr lang="en-US" altLang="en-US" dirty="0">
+              <a:rPr lang="en-US" altLang="en-US" sz="1000" dirty="0">
                 <a:latin typeface="Verdana" panose="020B0604030504040204" pitchFamily="34" charset="0"/>
               </a:rPr>
               <a:t>Incorrect Installation</a:t>
@@ -5466,7 +5387,7 @@
           <a:bodyPr/>
           <a:lstStyle/>
           <a:p>
-            <a:endParaRPr lang="en-US"/>
+            <a:endParaRPr lang="en-US" sz="1000"/>
           </a:p>
         </p:txBody>
       </p:sp>
@@ -5486,8 +5407,8 @@
         </p:nvSpPr>
         <p:spPr bwMode="auto">
           <a:xfrm>
-            <a:off x="624840" y="4260999"/>
-            <a:ext cx="2327910" cy="461665"/>
+            <a:off x="152162" y="4280614"/>
+            <a:ext cx="3321286" cy="246221"/>
           </a:xfrm>
           <a:prstGeom prst="rect">
             <a:avLst/>
@@ -5533,7 +5454,7 @@
           <a:lstStyle/>
           <a:p>
             <a:r>
-              <a:rPr lang="en-US" altLang="en-US" dirty="0">
+              <a:rPr lang="en-US" altLang="en-US" sz="1000" dirty="0">
                 <a:latin typeface="Verdana" panose="020B0604030504040204" pitchFamily="34" charset="0"/>
               </a:rPr>
               <a:t>Coffee machine delivery from Italy is delayed</a:t>
@@ -5594,7 +5515,7 @@
           <a:bodyPr/>
           <a:lstStyle/>
           <a:p>
-            <a:endParaRPr lang="en-US"/>
+            <a:endParaRPr lang="en-US" sz="1000"/>
           </a:p>
         </p:txBody>
       </p:sp>
@@ -5614,8 +5535,8 @@
         </p:nvSpPr>
         <p:spPr bwMode="auto">
           <a:xfrm>
-            <a:off x="1066800" y="4807099"/>
-            <a:ext cx="1473200" cy="461665"/>
+            <a:off x="338931" y="4914821"/>
+            <a:ext cx="2201069" cy="246221"/>
           </a:xfrm>
           <a:prstGeom prst="rect">
             <a:avLst/>
@@ -5655,13 +5576,13 @@
           </a:extLst>
         </p:spPr>
         <p:txBody>
-          <a:bodyPr anchor="ctr" anchorCtr="1">
+          <a:bodyPr wrap="square" anchor="ctr" anchorCtr="1">
             <a:spAutoFit/>
           </a:bodyPr>
           <a:lstStyle/>
           <a:p>
             <a:r>
-              <a:rPr lang="en-US" altLang="en-US" dirty="0">
+              <a:rPr lang="en-US" altLang="en-US" sz="1000" dirty="0">
                 <a:latin typeface="Verdana" panose="020B0604030504040204" pitchFamily="34" charset="0"/>
               </a:rPr>
               <a:t>Furniture delivery delays</a:t>
@@ -5722,7 +5643,7 @@
           <a:bodyPr/>
           <a:lstStyle/>
           <a:p>
-            <a:endParaRPr lang="en-US"/>
+            <a:endParaRPr lang="en-US" sz="1000"/>
           </a:p>
         </p:txBody>
       </p:sp>
@@ -5742,8 +5663,8 @@
         </p:nvSpPr>
         <p:spPr bwMode="auto">
           <a:xfrm>
-            <a:off x="338931" y="5340499"/>
-            <a:ext cx="1870869" cy="461665"/>
+            <a:off x="59421" y="5448221"/>
+            <a:ext cx="2150380" cy="246221"/>
           </a:xfrm>
           <a:prstGeom prst="rect">
             <a:avLst/>
@@ -5789,7 +5710,7 @@
           <a:lstStyle/>
           <a:p>
             <a:r>
-              <a:rPr lang="en-US" altLang="en-US" dirty="0">
+              <a:rPr lang="en-US" altLang="en-US" sz="1000" dirty="0">
                 <a:latin typeface="Verdana" panose="020B0604030504040204" pitchFamily="34" charset="0"/>
               </a:rPr>
               <a:t>Custom artwork delays</a:t>
@@ -5850,7 +5771,7 @@
           <a:bodyPr/>
           <a:lstStyle/>
           <a:p>
-            <a:endParaRPr lang="en-US"/>
+            <a:endParaRPr lang="en-US" sz="1000"/>
           </a:p>
         </p:txBody>
       </p:sp>
@@ -5907,7 +5828,7 @@
           <a:bodyPr/>
           <a:lstStyle/>
           <a:p>
-            <a:endParaRPr lang="en-US"/>
+            <a:endParaRPr lang="en-US" sz="1000"/>
           </a:p>
         </p:txBody>
       </p:sp>
@@ -5964,7 +5885,7 @@
           <a:bodyPr/>
           <a:lstStyle/>
           <a:p>
-            <a:endParaRPr lang="en-US"/>
+            <a:endParaRPr lang="en-US" sz="1000"/>
           </a:p>
         </p:txBody>
       </p:sp>
@@ -6021,7 +5942,7 @@
           <a:bodyPr/>
           <a:lstStyle/>
           <a:p>
-            <a:endParaRPr lang="en-US"/>
+            <a:endParaRPr lang="en-US" sz="1000"/>
           </a:p>
         </p:txBody>
       </p:sp>
@@ -6042,7 +5963,7 @@
         <p:spPr bwMode="auto">
           <a:xfrm>
             <a:off x="5164136" y="6003926"/>
-            <a:ext cx="2019300" cy="523220"/>
+            <a:ext cx="2019300" cy="400110"/>
           </a:xfrm>
           <a:prstGeom prst="rect">
             <a:avLst/>
@@ -6088,7 +6009,7 @@
           <a:lstStyle/>
           <a:p>
             <a:r>
-              <a:rPr lang="en-US" altLang="en-US" sz="1400" b="1" dirty="0">
+              <a:rPr lang="en-US" altLang="en-US" sz="1000" b="1" dirty="0">
                 <a:solidFill>
                   <a:srgbClr val="003399"/>
                 </a:solidFill>
@@ -6115,8 +6036,8 @@
         </p:nvSpPr>
         <p:spPr bwMode="auto">
           <a:xfrm>
-            <a:off x="5075236" y="4244494"/>
-            <a:ext cx="1473200" cy="461665"/>
+            <a:off x="5031258" y="4201568"/>
+            <a:ext cx="2019300" cy="246221"/>
           </a:xfrm>
           <a:prstGeom prst="rect">
             <a:avLst/>
@@ -6156,13 +6077,13 @@
           </a:extLst>
         </p:spPr>
         <p:txBody>
-          <a:bodyPr anchor="ctr" anchorCtr="1">
+          <a:bodyPr wrap="square" anchor="ctr" anchorCtr="1">
             <a:spAutoFit/>
           </a:bodyPr>
           <a:lstStyle/>
           <a:p>
             <a:r>
-              <a:rPr lang="en-US" altLang="en-US" dirty="0">
+              <a:rPr lang="en-US" altLang="en-US" sz="1000" dirty="0">
                 <a:latin typeface="Verdana" panose="020B0604030504040204" pitchFamily="34" charset="0"/>
               </a:rPr>
               <a:t>Lighting specs not met</a:t>
@@ -6223,7 +6144,7 @@
           <a:bodyPr/>
           <a:lstStyle/>
           <a:p>
-            <a:endParaRPr lang="en-US"/>
+            <a:endParaRPr lang="en-US" sz="1000"/>
           </a:p>
         </p:txBody>
       </p:sp>
@@ -6243,8 +6164,8 @@
         </p:nvSpPr>
         <p:spPr bwMode="auto">
           <a:xfrm>
-            <a:off x="4624387" y="5014430"/>
-            <a:ext cx="1333500" cy="461665"/>
+            <a:off x="4437060" y="4998165"/>
+            <a:ext cx="2019300" cy="246221"/>
           </a:xfrm>
           <a:prstGeom prst="rect">
             <a:avLst/>
@@ -6284,13 +6205,13 @@
           </a:extLst>
         </p:spPr>
         <p:txBody>
-          <a:bodyPr anchor="ctr" anchorCtr="1">
+          <a:bodyPr wrap="square" anchor="ctr" anchorCtr="1">
             <a:spAutoFit/>
           </a:bodyPr>
           <a:lstStyle/>
           <a:p>
             <a:r>
-              <a:rPr lang="en-US" altLang="en-US" dirty="0">
+              <a:rPr lang="en-US" altLang="en-US" sz="1000" dirty="0">
                 <a:latin typeface="Verdana" panose="020B0604030504040204" pitchFamily="34" charset="0"/>
               </a:rPr>
               <a:t>Electrical wiring issues</a:t>
@@ -6351,7 +6272,7 @@
           <a:bodyPr/>
           <a:lstStyle/>
           <a:p>
-            <a:endParaRPr lang="en-US"/>
+            <a:endParaRPr lang="en-US" sz="1000"/>
           </a:p>
         </p:txBody>
       </p:sp>
@@ -6408,7 +6329,42 @@
           <a:bodyPr/>
           <a:lstStyle/>
           <a:p>
-            <a:endParaRPr lang="en-US"/>
+            <a:endParaRPr lang="en-US" sz="1000"/>
+          </a:p>
+        </p:txBody>
+      </p:sp>
+      <p:sp>
+        <p:nvSpPr>
+          <p:cNvPr id="2" name="TextBox 1">
+            <a:extLst>
+              <a:ext uri="{FF2B5EF4-FFF2-40B4-BE49-F238E27FC236}">
+                <a16:creationId xmlns:a16="http://schemas.microsoft.com/office/drawing/2014/main" id="{52E637A5-D999-D647-AB95-E3BA0C5D63BF}"/>
+              </a:ext>
+            </a:extLst>
+          </p:cNvPr>
+          <p:cNvSpPr txBox="1"/>
+          <p:nvPr/>
+        </p:nvSpPr>
+        <p:spPr>
+          <a:xfrm>
+            <a:off x="254185" y="3016717"/>
+            <a:ext cx="2097048" cy="246221"/>
+          </a:xfrm>
+          <a:prstGeom prst="rect">
+            <a:avLst/>
+          </a:prstGeom>
+          <a:noFill/>
+        </p:spPr>
+        <p:txBody>
+          <a:bodyPr wrap="none" rtlCol="0">
+            <a:spAutoFit/>
+          </a:bodyPr>
+          <a:lstStyle/>
+          <a:p>
+            <a:r>
+              <a:rPr lang="en-US" sz="1000" dirty="0"/>
+              <a:t>Renovations did not finish on time</a:t>
+            </a:r>
           </a:p>
         </p:txBody>
       </p:sp>
